--- a/Presentación principal.pptx
+++ b/Presentación principal.pptx
@@ -3602,6 +3602,45 @@
           </a:p>
         </p:txBody>
       </p:sp>
+      <p:sp>
+        <p:nvSpPr>
+          <p:cNvPr id="2" name="CuadroTexto 1">
+            <a:extLst>
+              <a:ext uri="{FF2B5EF4-FFF2-40B4-BE49-F238E27FC236}">
+                <a16:creationId xmlns:a16="http://schemas.microsoft.com/office/drawing/2014/main" id="{07162867-5989-DC18-2D15-77D6E9A4ABFB}"/>
+              </a:ext>
+            </a:extLst>
+          </p:cNvPr>
+          <p:cNvSpPr txBox="1"/>
+          <p:nvPr/>
+        </p:nvSpPr>
+        <p:spPr>
+          <a:xfrm>
+            <a:off x="9312966" y="5918886"/>
+            <a:ext cx="2272137" cy="646331"/>
+          </a:xfrm>
+          <a:prstGeom prst="rect">
+            <a:avLst/>
+          </a:prstGeom>
+          <a:noFill/>
+        </p:spPr>
+        <p:txBody>
+          <a:bodyPr wrap="square" rtlCol="0">
+            <a:spAutoFit/>
+          </a:bodyPr>
+          <a:lstStyle/>
+          <a:p>
+            <a:r>
+              <a:rPr lang="es-CO" dirty="0"/>
+              <a:t>Vamos a ver </a:t>
+            </a:r>
+            <a:r>
+              <a:rPr lang="es-CO"/>
+              <a:t>si combina los archivos</a:t>
+            </a:r>
+          </a:p>
+        </p:txBody>
+      </p:sp>
     </p:spTree>
     <p:extLst>
       <p:ext uri="{BB962C8B-B14F-4D97-AF65-F5344CB8AC3E}">

--- a/Presentación principal.pptx
+++ b/Presentación principal.pptx
@@ -3641,6 +3641,42 @@
           </a:p>
         </p:txBody>
       </p:sp>
+      <p:pic>
+        <p:nvPicPr>
+          <p:cNvPr id="9" name="Imagen 8">
+            <a:extLst>
+              <a:ext uri="{FF2B5EF4-FFF2-40B4-BE49-F238E27FC236}">
+                <a16:creationId xmlns:a16="http://schemas.microsoft.com/office/drawing/2014/main" id="{13FDAC4A-BA20-D30B-F58C-97049D067D7E}"/>
+              </a:ext>
+            </a:extLst>
+          </p:cNvPr>
+          <p:cNvPicPr>
+            <a:picLocks noChangeAspect="1"/>
+          </p:cNvPicPr>
+          <p:nvPr/>
+        </p:nvPicPr>
+        <p:blipFill>
+          <a:blip r:embed="rId7">
+            <a:extLst>
+              <a:ext uri="{28A0092B-C50C-407E-A947-70E740481C1C}">
+                <a14:useLocalDpi xmlns:a14="http://schemas.microsoft.com/office/drawing/2010/main" val="0"/>
+              </a:ext>
+            </a:extLst>
+          </a:blip>
+          <a:stretch>
+            <a:fillRect/>
+          </a:stretch>
+        </p:blipFill>
+        <p:spPr>
+          <a:xfrm>
+            <a:off x="399445" y="2122706"/>
+            <a:ext cx="3442196" cy="3583459"/>
+          </a:xfrm>
+          <a:prstGeom prst="rect">
+            <a:avLst/>
+          </a:prstGeom>
+        </p:spPr>
+      </p:pic>
     </p:spTree>
     <p:extLst>
       <p:ext uri="{BB962C8B-B14F-4D97-AF65-F5344CB8AC3E}">

--- a/Presentación principal.pptx
+++ b/Presentación principal.pptx
@@ -3641,6 +3641,42 @@
           </a:p>
         </p:txBody>
       </p:sp>
+      <p:pic>
+        <p:nvPicPr>
+          <p:cNvPr id="9" name="Imagen 8">
+            <a:extLst>
+              <a:ext uri="{FF2B5EF4-FFF2-40B4-BE49-F238E27FC236}">
+                <a16:creationId xmlns:a16="http://schemas.microsoft.com/office/drawing/2014/main" id="{C2993E5C-4FA8-514C-62BE-D3A9817A8B3A}"/>
+              </a:ext>
+            </a:extLst>
+          </p:cNvPr>
+          <p:cNvPicPr>
+            <a:picLocks noChangeAspect="1"/>
+          </p:cNvPicPr>
+          <p:nvPr/>
+        </p:nvPicPr>
+        <p:blipFill>
+          <a:blip r:embed="rId7">
+            <a:extLst>
+              <a:ext uri="{28A0092B-C50C-407E-A947-70E740481C1C}">
+                <a14:useLocalDpi xmlns:a14="http://schemas.microsoft.com/office/drawing/2010/main" val="0"/>
+              </a:ext>
+            </a:extLst>
+          </a:blip>
+          <a:stretch>
+            <a:fillRect/>
+          </a:stretch>
+        </p:blipFill>
+        <p:spPr>
+          <a:xfrm>
+            <a:off x="9139503" y="339811"/>
+            <a:ext cx="2056033" cy="3089189"/>
+          </a:xfrm>
+          <a:prstGeom prst="rect">
+            <a:avLst/>
+          </a:prstGeom>
+        </p:spPr>
+      </p:pic>
     </p:spTree>
     <p:extLst>
       <p:ext uri="{BB962C8B-B14F-4D97-AF65-F5344CB8AC3E}">
